--- a/static/output/Presentation4_updated.pptx
+++ b/static/output/Presentation4_updated.pptx
@@ -6188,7 +6188,7 @@
                 <a:ea typeface="Calibri" panose="020F0502020204030204" pitchFamily="34" charset="0"/>
                 <a:cs typeface="Arial" panose="020B0604020202020204" pitchFamily="34" charset="0"/>
               </a:rPr>
-              <a:t>Continued Support and Engagement</a:t>
+              <a:t>Maximizing LLM Capabilities</a:t>
             </a:r>
             <a:endParaRPr lang="en-DE" sz="1600" dirty="0">
               <a:solidFill>
@@ -6242,7 +6242,7 @@
                 <a:ea typeface="Open Sans" panose="020B0606030504020204" pitchFamily="34" charset="0"/>
                 <a:cs typeface="Arial" panose="020B0604020202020204" pitchFamily="34" charset="0"/>
               </a:rPr>
-              <a:t>Thank You</a:t>
+              <a:t>Utilizing Large Language Models (LLMs)</a:t>
             </a:r>
           </a:p>
         </p:txBody>
@@ -6333,7 +6333,7 @@
                 <a:ea typeface="Open Sans" panose="020B0606030504020204" pitchFamily="34" charset="0"/>
                 <a:cs typeface="Arial" panose="020B0604020202020204" pitchFamily="34" charset="0"/>
               </a:rPr>
-              <a:t>Appreciation and Contact Information</a:t>
+              <a:t>Effective Use of Large Language Models</a:t>
             </a:r>
           </a:p>
         </p:txBody>
@@ -6377,7 +6377,7 @@
                 <a:ea typeface="Aptos" panose="020B0004020202020204" pitchFamily="34" charset="0"/>
                 <a:cs typeface="Times New Roman" panose="02020603050405020304" pitchFamily="18" charset="0"/>
               </a:rPr>
-              <a:t>Gratitude</a:t>
+              <a:t>Text Generation Tasks</a:t>
             </a:r>
             <a:endParaRPr lang="en-IN" b="1" dirty="0">
               <a:solidFill>
@@ -6429,7 +6429,7 @@
                 <a:ea typeface="Aptos" panose="020B0004020202020204" pitchFamily="34" charset="0"/>
                 <a:cs typeface="Times New Roman" panose="02020603050405020304" pitchFamily="18" charset="0"/>
               </a:rPr>
-              <a:t>Thank you for your time and attention. We appreciate the opportunity to present our proposal and look forward to potential collaboration on this exciting project.</a:t>
+              <a:t>LLMs excel in tasks like content creation, chatbot interactions, and language translation. Leveraging their vast language knowledge, they produce coherent and contextually relevant outputs.</a:t>
             </a:r>
             <a:endParaRPr lang="en-IN" sz="1050" dirty="0">
               <a:solidFill>
@@ -6481,7 +6481,7 @@
                 <a:ea typeface="Aptos" panose="020B0004020202020204" pitchFamily="34" charset="0"/>
                 <a:cs typeface="Times New Roman" panose="02020603050405020304" pitchFamily="18" charset="0"/>
               </a:rPr>
-              <a:t>Contact Details</a:t>
+              <a:t>Text Analysis Applications</a:t>
             </a:r>
             <a:endParaRPr lang="en-IN" b="1" dirty="0">
               <a:solidFill>
@@ -6537,7 +6537,7 @@
                 <a:ea typeface="Aptos" panose="020B0004020202020204" pitchFamily="34" charset="0"/>
                 <a:cs typeface="Times New Roman" panose="02020603050405020304" pitchFamily="18" charset="0"/>
               </a:rPr>
-              <a:t>For further inquiries or to discuss the proposal in more detail, please feel free to reach out to us at [Email Address] or [Phone Number]. We are available to address any questions or provide additional information.</a:t>
+              <a:t>Employ LLMs for sentiment analysis, summarization, and question-answering to derive valuable insights from textual data. Their deep understanding of language nuances enhances the accuracy of analysis.</a:t>
             </a:r>
             <a:endParaRPr lang="en-IN" sz="1050" kern="100" dirty="0">
               <a:solidFill>
@@ -6590,7 +6590,7 @@
                 <a:ea typeface="Aptos" panose="020B0004020202020204" pitchFamily="34" charset="0"/>
                 <a:cs typeface="Times New Roman" panose="02020603050405020304" pitchFamily="18" charset="0"/>
               </a:rPr>
-              <a:t>Availability for Questions</a:t>
+              <a:t>Domain-Specific Fine-tuning</a:t>
             </a:r>
             <a:endParaRPr lang="en-IN" b="1" dirty="0">
               <a:solidFill>
@@ -6642,7 +6642,7 @@
                 <a:ea typeface="Aptos" panose="020B0004020202020204" pitchFamily="34" charset="0"/>
                 <a:cs typeface="Times New Roman" panose="02020603050405020304" pitchFamily="18" charset="0"/>
               </a:rPr>
-              <a:t>Should you have any questions or require clarifications regarding the proposal, we are here to assist. Your feedback and input are valuable to us as we strive for mutual success.</a:t>
+              <a:t>Fine-tune pre-trained LLMs with domain-specific data to boost performance on specialized tasks. This customization ensures better alignment with the nuances and vocabulary of the target domain.</a:t>
             </a:r>
             <a:endParaRPr lang="en-US" sz="1050" b="0" i="0" dirty="0">
               <a:solidFill>
@@ -6695,7 +6695,7 @@
                 <a:ea typeface="Aptos" panose="020B0004020202020204" pitchFamily="34" charset="0"/>
                 <a:cs typeface="Times New Roman" panose="02020603050405020304" pitchFamily="18" charset="0"/>
               </a:rPr>
-              <a:t>Document Processing Efficiency</a:t>
+              <a:t>Customer Service Integration</a:t>
             </a:r>
             <a:endParaRPr lang="en-IN" b="1" dirty="0">
               <a:solidFill>
@@ -6747,7 +6747,7 @@
                 <a:ea typeface="Aptos" panose="020B0004020202020204" pitchFamily="34" charset="0"/>
                 <a:cs typeface="Times New Roman" panose="02020603050405020304" pitchFamily="18" charset="0"/>
               </a:rPr>
-              <a:t>Track the time taken to ingest and analyze documents, aiming to optimize processing times as the system scales with more concurrent users.</a:t>
+              <a:t>Integrate LLMs into customer service platforms for tailored responses and improved user interactions. Personalized recommendations and context-aware replies enhance customer satisfaction and engagement.</a:t>
             </a:r>
             <a:endParaRPr lang="en-IN" sz="1050" dirty="0">
               <a:solidFill>
@@ -6799,7 +6799,7 @@
                 <a:ea typeface="Aptos" panose="020B0004020202020204" pitchFamily="34" charset="0"/>
                 <a:cs typeface="Times New Roman" panose="02020603050405020304" pitchFamily="18" charset="0"/>
               </a:rPr>
-              <a:t>System Scalability</a:t>
+              <a:t>Research Opportunities</a:t>
             </a:r>
             <a:endParaRPr lang="en-IN" b="1" dirty="0">
               <a:solidFill>
@@ -6855,7 +6855,7 @@
                 <a:ea typeface="Aptos" panose="020B0004020202020204" pitchFamily="34" charset="0"/>
                 <a:cs typeface="Times New Roman" panose="02020603050405020304" pitchFamily="18" charset="0"/>
               </a:rPr>
-              <a:t>Monitor the system’s performance under load, including the ability to handle 250+ concurrent users without degradation in response times or accuracy, ensuring robust performance during peak usage.</a:t>
+              <a:t>Explore research avenues in academia and industry using LLMs to advance NLP and AI applications. Pushing the boundaries of language understanding and generation opens new possibilities for innovation and discovery.</a:t>
             </a:r>
             <a:endParaRPr lang="en-IN" sz="1050" kern="100" dirty="0">
               <a:solidFill>
